--- a/slides/6_Statistics_brief.pptx
+++ b/slides/6_Statistics_brief.pptx
@@ -139,6 +139,50 @@
 </p:cmAuthorLst>
 </file>
 
+<file path=ppt/changesInfos/changesInfo1.xml><?xml version="1.0" encoding="utf-8"?>
+<pc:chgInfo xmlns:a="http://schemas.openxmlformats.org/drawingml/2006/main" xmlns:r="http://schemas.openxmlformats.org/officeDocument/2006/relationships" xmlns:ac="http://schemas.microsoft.com/office/drawing/2013/main/command" xmlns:pc="http://schemas.microsoft.com/office/powerpoint/2013/main/command">
+  <pc:docChgLst>
+    <pc:chgData userId="a1a4dc899414fe72" providerId="LiveId" clId="{7FCDEE80-5C7C-4ECE-85CE-D8A37205E2FF}"/>
+    <pc:docChg chg="modSld">
+      <pc:chgData name="" userId="a1a4dc899414fe72" providerId="LiveId" clId="{7FCDEE80-5C7C-4ECE-85CE-D8A37205E2FF}" dt="2021-12-10T03:48:15.814" v="5" actId="114"/>
+      <pc:docMkLst>
+        <pc:docMk/>
+      </pc:docMkLst>
+      <pc:sldChg chg="modSp">
+        <pc:chgData name="" userId="a1a4dc899414fe72" providerId="LiveId" clId="{7FCDEE80-5C7C-4ECE-85CE-D8A37205E2FF}" dt="2021-12-10T03:45:28.903" v="4" actId="20577"/>
+        <pc:sldMkLst>
+          <pc:docMk/>
+          <pc:sldMk cId="2047587281" sldId="284"/>
+        </pc:sldMkLst>
+        <pc:spChg chg="mod">
+          <ac:chgData name="" userId="a1a4dc899414fe72" providerId="LiveId" clId="{7FCDEE80-5C7C-4ECE-85CE-D8A37205E2FF}" dt="2021-12-10T03:45:28.903" v="4" actId="20577"/>
+          <ac:spMkLst>
+            <pc:docMk/>
+            <pc:sldMk cId="2047587281" sldId="284"/>
+            <ac:spMk id="3" creationId="{00000000-0000-0000-0000-000000000000}"/>
+          </ac:spMkLst>
+        </pc:spChg>
+      </pc:sldChg>
+      <pc:sldChg chg="modSp">
+        <pc:chgData name="" userId="a1a4dc899414fe72" providerId="LiveId" clId="{7FCDEE80-5C7C-4ECE-85CE-D8A37205E2FF}" dt="2021-12-10T03:48:15.814" v="5" actId="114"/>
+        <pc:sldMkLst>
+          <pc:docMk/>
+          <pc:sldMk cId="2570807306" sldId="285"/>
+        </pc:sldMkLst>
+        <pc:spChg chg="mod">
+          <ac:chgData name="" userId="a1a4dc899414fe72" providerId="LiveId" clId="{7FCDEE80-5C7C-4ECE-85CE-D8A37205E2FF}" dt="2021-12-10T03:48:15.814" v="5" actId="114"/>
+          <ac:spMkLst>
+            <pc:docMk/>
+            <pc:sldMk cId="2570807306" sldId="285"/>
+            <ac:spMk id="11" creationId="{00000000-0000-0000-0000-000000000000}"/>
+          </ac:spMkLst>
+        </pc:spChg>
+      </pc:sldChg>
+    </pc:docChg>
+  </pc:docChgLst>
+</pc:chgInfo>
+</file>
+
 <file path=ppt/handoutMasters/handoutMaster1.xml><?xml version="1.0" encoding="utf-8"?>
 <p:handoutMaster xmlns:a="http://schemas.openxmlformats.org/drawingml/2006/main" xmlns:r="http://schemas.openxmlformats.org/officeDocument/2006/relationships" xmlns:p="http://schemas.openxmlformats.org/presentationml/2006/main">
   <p:cSld>
@@ -221,7 +265,7 @@
           <a:p>
             <a:fld id="{A88041C2-66FF-41C4-85D2-86F3F8AD720F}" type="datetimeFigureOut">
               <a:rPr lang="zh-CN" altLang="en-US" smtClean="0"/>
-              <a:t>2020-11-13</a:t>
+              <a:t>2021-12-10</a:t>
             </a:fld>
             <a:endParaRPr lang="zh-CN" altLang="en-US"/>
           </a:p>
@@ -386,7 +430,7 @@
           <a:p>
             <a:fld id="{D8668C14-09F9-4DC1-91DB-F9303502AD59}" type="datetimeFigureOut">
               <a:rPr lang="zh-CN" altLang="en-US" smtClean="0"/>
-              <a:t>2020-11-13</a:t>
+              <a:t>2021-12-10</a:t>
             </a:fld>
             <a:endParaRPr lang="zh-CN" altLang="en-US"/>
           </a:p>
@@ -1601,7 +1645,7 @@
                   <a:srgbClr val="000000"/>
                 </a:solidFill>
               </a:rPr>
-              <a:t>2020-11-13</a:t>
+              <a:t>2021-12-10</a:t>
             </a:fld>
             <a:endParaRPr lang="en-US" altLang="zh-CN" dirty="0">
               <a:solidFill>
@@ -1856,7 +1900,7 @@
                   <a:srgbClr val="000000"/>
                 </a:solidFill>
               </a:rPr>
-              <a:t>2020-11-13</a:t>
+              <a:t>2021-12-10</a:t>
             </a:fld>
             <a:endParaRPr lang="en-US" altLang="zh-CN" dirty="0">
               <a:solidFill>
@@ -2167,7 +2211,7 @@
                   <a:srgbClr val="000000"/>
                 </a:solidFill>
               </a:rPr>
-              <a:t>2020-11-13</a:t>
+              <a:t>2021-12-10</a:t>
             </a:fld>
             <a:endParaRPr lang="en-US" altLang="zh-CN" dirty="0">
               <a:solidFill>
@@ -2845,7 +2889,7 @@
             </a:pPr>
             <a:fld id="{1152697E-1B43-415E-9287-C81E231CFF6B}" type="datetime1">
               <a:rPr lang="zh-CN" altLang="en-US" smtClean="0"/>
-              <a:t>2020-11-13</a:t>
+              <a:t>2021-12-10</a:t>
             </a:fld>
             <a:endParaRPr lang="da-DK"/>
           </a:p>
@@ -3185,7 +3229,7 @@
                   <a:srgbClr val="000000"/>
                 </a:solidFill>
               </a:rPr>
-              <a:t>2020-11-13</a:t>
+              <a:t>2021-12-10</a:t>
             </a:fld>
             <a:endParaRPr lang="en-US" altLang="zh-CN" dirty="0">
               <a:solidFill>
@@ -3453,7 +3497,7 @@
                   <a:srgbClr val="000000"/>
                 </a:solidFill>
               </a:rPr>
-              <a:t>2020-11-13</a:t>
+              <a:t>2021-12-10</a:t>
             </a:fld>
             <a:endParaRPr lang="en-US" altLang="zh-CN" dirty="0">
               <a:solidFill>
@@ -3815,7 +3859,7 @@
                   <a:srgbClr val="000000"/>
                 </a:solidFill>
               </a:rPr>
-              <a:t>2020-11-13</a:t>
+              <a:t>2021-12-10</a:t>
             </a:fld>
             <a:endParaRPr lang="en-US" altLang="zh-CN" dirty="0">
               <a:solidFill>
@@ -4316,7 +4360,7 @@
                   <a:srgbClr val="000000"/>
                 </a:solidFill>
               </a:rPr>
-              <a:t>2020-11-13</a:t>
+              <a:t>2021-12-10</a:t>
             </a:fld>
             <a:endParaRPr lang="en-US" altLang="zh-CN" dirty="0">
               <a:solidFill>
@@ -4510,7 +4554,7 @@
                   <a:srgbClr val="000000"/>
                 </a:solidFill>
               </a:rPr>
-              <a:t>2020-11-13</a:t>
+              <a:t>2021-12-10</a:t>
             </a:fld>
             <a:endParaRPr lang="en-US" altLang="zh-CN" dirty="0">
               <a:solidFill>
@@ -4682,7 +4726,7 @@
                   <a:srgbClr val="000000"/>
                 </a:solidFill>
               </a:rPr>
-              <a:t>2020-11-13</a:t>
+              <a:t>2021-12-10</a:t>
             </a:fld>
             <a:endParaRPr lang="en-US" altLang="zh-CN" dirty="0">
               <a:solidFill>
@@ -5034,7 +5078,7 @@
                   <a:srgbClr val="000000"/>
                 </a:solidFill>
               </a:rPr>
-              <a:t>2020-11-13</a:t>
+              <a:t>2021-12-10</a:t>
             </a:fld>
             <a:endParaRPr lang="en-US" altLang="zh-CN" dirty="0">
               <a:solidFill>
@@ -5367,7 +5411,7 @@
                   <a:srgbClr val="000000"/>
                 </a:solidFill>
               </a:rPr>
-              <a:t>2020-11-13</a:t>
+              <a:t>2021-12-10</a:t>
             </a:fld>
             <a:endParaRPr lang="en-US" altLang="zh-CN" dirty="0">
               <a:solidFill>
@@ -5761,7 +5805,7 @@
                   <a:srgbClr val="000000"/>
                 </a:solidFill>
               </a:rPr>
-              <a:t>2020-11-13</a:t>
+              <a:t>2021-12-10</a:t>
             </a:fld>
             <a:endParaRPr lang="en-US" altLang="zh-CN" dirty="0">
               <a:solidFill>
@@ -6558,7 +6602,7 @@
                   <a:srgbClr val="000000"/>
                 </a:solidFill>
               </a:rPr>
-              <a:t>2020-11-13</a:t>
+              <a:t>2021-12-10</a:t>
             </a:fld>
             <a:endParaRPr lang="en-US" altLang="zh-CN" dirty="0">
               <a:solidFill>
@@ -7420,7 +7464,7 @@
                   <a:srgbClr val="000000"/>
                 </a:solidFill>
               </a:rPr>
-              <a:t>2020-11-13</a:t>
+              <a:t>2021-12-10</a:t>
             </a:fld>
             <a:endParaRPr lang="en-US" altLang="zh-CN" dirty="0">
               <a:solidFill>
@@ -7728,8 +7772,8 @@
           </a:p>
         </p:txBody>
       </p:sp>
-      <mc:AlternateContent xmlns:mc="http://schemas.openxmlformats.org/markup-compatibility/2006" xmlns:a14="http://schemas.microsoft.com/office/drawing/2010/main">
-        <mc:Choice Requires="a14">
+      <mc:AlternateContent xmlns:mc="http://schemas.openxmlformats.org/markup-compatibility/2006">
+        <mc:Choice xmlns:a14="http://schemas.microsoft.com/office/drawing/2010/main" Requires="a14">
           <p:sp>
             <p:nvSpPr>
               <p:cNvPr id="3" name="内容占位符 2"/>
@@ -7919,7 +7963,7 @@
                 </a:r>
                 <a:r>
                   <a:rPr lang="en-US" altLang="zh-CN" dirty="0"/>
-                  <a:t>Inverse Miller Ratio</a:t>
+                  <a:t>Inverse Mill’s Ratio</a:t>
                 </a:r>
                 <a:r>
                   <a:rPr lang="zh-CN" altLang="en-US" dirty="0"/>
@@ -8118,7 +8162,7 @@
             </p:txBody>
           </p:sp>
         </mc:Choice>
-        <mc:Fallback xmlns="">
+        <mc:Fallback>
           <p:sp>
             <p:nvSpPr>
               <p:cNvPr id="3" name="内容占位符 2"/>
@@ -8244,7 +8288,7 @@
                   <a:srgbClr val="000000"/>
                 </a:solidFill>
               </a:rPr>
-              <a:t>2020-11-13</a:t>
+              <a:t>2021-12-10</a:t>
             </a:fld>
             <a:endParaRPr lang="en-US" altLang="zh-CN" dirty="0">
               <a:solidFill>
@@ -9234,7 +9278,7 @@
                   <a:srgbClr val="000000"/>
                 </a:solidFill>
               </a:rPr>
-              <a:t>2020-11-13</a:t>
+              <a:t>2021-12-10</a:t>
             </a:fld>
             <a:endParaRPr lang="en-US" altLang="zh-CN" dirty="0">
               <a:solidFill>
@@ -10244,7 +10288,7 @@
                   <a:srgbClr val="000000"/>
                 </a:solidFill>
               </a:rPr>
-              <a:t>2020-11-13</a:t>
+              <a:t>2021-12-10</a:t>
             </a:fld>
             <a:endParaRPr lang="en-US" altLang="zh-CN" dirty="0">
               <a:solidFill>
@@ -11331,7 +11375,15 @@
           <a:p>
             <a:r>
               <a:rPr lang="en-US" altLang="zh-CN" dirty="0"/>
-              <a:t>Simpson, E. H. (1951), "The Interpretation of Interaction in Contingency Tables," Journal of the Royal Statistical Society, 13, 238-241.</a:t>
+              <a:t>Simpson, E. H. (1951), "The Interpretation of Interaction in Contingency Tables," </a:t>
+            </a:r>
+            <a:r>
+              <a:rPr lang="en-US" altLang="zh-CN" i="1" dirty="0"/>
+              <a:t>Journal of the Royal Statistical Society</a:t>
+            </a:r>
+            <a:r>
+              <a:rPr lang="en-US" altLang="zh-CN" dirty="0"/>
+              <a:t>, 13, 238-241.</a:t>
             </a:r>
             <a:endParaRPr lang="zh-CN" altLang="en-US" dirty="0"/>
           </a:p>
@@ -12130,7 +12182,7 @@
                   <a:srgbClr val="000000"/>
                 </a:solidFill>
               </a:rPr>
-              <a:t>2020-11-13</a:t>
+              <a:t>2021-12-10</a:t>
             </a:fld>
             <a:endParaRPr lang="en-US" altLang="zh-CN" dirty="0">
               <a:solidFill>
